--- a/mylearnings/mylecturenotes/LaborMarketInformationLandscape.pptx
+++ b/mylearnings/mylecturenotes/LaborMarketInformationLandscape.pptx
@@ -5,17 +5,18 @@
     <p:sldMasterId id="2147483648" r:id="rId1"/>
   </p:sldMasterIdLst>
   <p:notesMasterIdLst>
-    <p:notesMasterId r:id="rId10"/>
+    <p:notesMasterId r:id="rId11"/>
   </p:notesMasterIdLst>
   <p:sldIdLst>
     <p:sldId id="256" r:id="rId2"/>
     <p:sldId id="257" r:id="rId3"/>
-    <p:sldId id="260" r:id="rId4"/>
-    <p:sldId id="258" r:id="rId5"/>
-    <p:sldId id="261" r:id="rId6"/>
-    <p:sldId id="262" r:id="rId7"/>
-    <p:sldId id="263" r:id="rId8"/>
-    <p:sldId id="259" r:id="rId9"/>
+    <p:sldId id="264" r:id="rId4"/>
+    <p:sldId id="260" r:id="rId5"/>
+    <p:sldId id="258" r:id="rId6"/>
+    <p:sldId id="261" r:id="rId7"/>
+    <p:sldId id="262" r:id="rId8"/>
+    <p:sldId id="263" r:id="rId9"/>
+    <p:sldId id="259" r:id="rId10"/>
   </p:sldIdLst>
   <p:sldSz cx="12192000" cy="6858000"/>
   <p:notesSz cx="6858000" cy="9144000"/>
@@ -4425,6 +4426,556 @@
           <p:cNvPr id="2" name="Title 1">
             <a:extLst>
               <a:ext uri="{FF2B5EF4-FFF2-40B4-BE49-F238E27FC236}">
+                <a16:creationId xmlns:a16="http://schemas.microsoft.com/office/drawing/2014/main" id="{D105118A-7891-53E4-CCF5-C796DE46F498}"/>
+              </a:ext>
+            </a:extLst>
+          </p:cNvPr>
+          <p:cNvSpPr>
+            <a:spLocks noGrp="1"/>
+          </p:cNvSpPr>
+          <p:nvPr>
+            <p:ph type="title"/>
+          </p:nvPr>
+        </p:nvSpPr>
+        <p:spPr/>
+        <p:txBody>
+          <a:bodyPr/>
+          <a:lstStyle/>
+          <a:p>
+            <a:r>
+              <a:rPr lang="en-US" dirty="0"/>
+              <a:t>Impact</a:t>
+            </a:r>
+          </a:p>
+        </p:txBody>
+      </p:sp>
+      <p:sp>
+        <p:nvSpPr>
+          <p:cNvPr id="3" name="Content Placeholder 2">
+            <a:extLst>
+              <a:ext uri="{FF2B5EF4-FFF2-40B4-BE49-F238E27FC236}">
+                <a16:creationId xmlns:a16="http://schemas.microsoft.com/office/drawing/2014/main" id="{8A371EDB-618B-D119-3698-5375533E153D}"/>
+              </a:ext>
+            </a:extLst>
+          </p:cNvPr>
+          <p:cNvSpPr>
+            <a:spLocks noGrp="1"/>
+          </p:cNvSpPr>
+          <p:nvPr>
+            <p:ph idx="1"/>
+          </p:nvPr>
+        </p:nvSpPr>
+        <p:spPr/>
+        <p:txBody>
+          <a:bodyPr/>
+          <a:lstStyle/>
+          <a:p>
+            <a:endParaRPr lang="en-US"/>
+          </a:p>
+        </p:txBody>
+      </p:sp>
+      <p:sp>
+        <p:nvSpPr>
+          <p:cNvPr id="4" name="Slide Number Placeholder 3">
+            <a:extLst>
+              <a:ext uri="{FF2B5EF4-FFF2-40B4-BE49-F238E27FC236}">
+                <a16:creationId xmlns:a16="http://schemas.microsoft.com/office/drawing/2014/main" id="{42CD3602-8EB4-00A0-294E-D1FF4BA808E5}"/>
+              </a:ext>
+            </a:extLst>
+          </p:cNvPr>
+          <p:cNvSpPr>
+            <a:spLocks noGrp="1"/>
+          </p:cNvSpPr>
+          <p:nvPr>
+            <p:ph type="sldNum" sz="quarter" idx="12"/>
+          </p:nvPr>
+        </p:nvSpPr>
+        <p:spPr/>
+        <p:txBody>
+          <a:bodyPr/>
+          <a:lstStyle/>
+          <a:p>
+            <a:fld id="{E18262D8-5A2C-DF45-99DE-6F5CAE0BA71A}" type="slidenum">
+              <a:rPr lang="en-US" smtClean="0"/>
+              <a:t>3</a:t>
+            </a:fld>
+            <a:endParaRPr lang="en-US"/>
+          </a:p>
+        </p:txBody>
+      </p:sp>
+      <p:graphicFrame>
+        <p:nvGraphicFramePr>
+          <p:cNvPr id="5" name="Content Placeholder 3">
+            <a:extLst>
+              <a:ext uri="{FF2B5EF4-FFF2-40B4-BE49-F238E27FC236}">
+                <a16:creationId xmlns:a16="http://schemas.microsoft.com/office/drawing/2014/main" id="{990E8BF6-D507-CDCC-6514-DB8CB88404C4}"/>
+              </a:ext>
+            </a:extLst>
+          </p:cNvPr>
+          <p:cNvGraphicFramePr>
+            <a:graphicFrameLocks/>
+          </p:cNvGraphicFramePr>
+          <p:nvPr>
+            <p:extLst>
+              <p:ext uri="{D42A27DB-BD31-4B8C-83A1-F6EECF244321}">
+                <p14:modId xmlns:p14="http://schemas.microsoft.com/office/powerpoint/2010/main" val="2565388861"/>
+              </p:ext>
+            </p:extLst>
+          </p:nvPr>
+        </p:nvGraphicFramePr>
+        <p:xfrm>
+          <a:off x="1705048" y="2422525"/>
+          <a:ext cx="9059470" cy="2291080"/>
+        </p:xfrm>
+        <a:graphic>
+          <a:graphicData uri="http://schemas.openxmlformats.org/drawingml/2006/table">
+            <a:tbl>
+              <a:tblPr firstRow="1" bandRow="1">
+                <a:tableStyleId>{5C22544A-7EE6-4342-B048-85BDC9FD1C3A}</a:tableStyleId>
+              </a:tblPr>
+              <a:tblGrid>
+                <a:gridCol w="1811894">
+                  <a:extLst>
+                    <a:ext uri="{9D8B030D-6E8A-4147-A177-3AD203B41FA5}">
+                      <a16:colId xmlns:a16="http://schemas.microsoft.com/office/drawing/2014/main" val="1832443906"/>
+                    </a:ext>
+                  </a:extLst>
+                </a:gridCol>
+                <a:gridCol w="1811894">
+                  <a:extLst>
+                    <a:ext uri="{9D8B030D-6E8A-4147-A177-3AD203B41FA5}">
+                      <a16:colId xmlns:a16="http://schemas.microsoft.com/office/drawing/2014/main" val="3103549292"/>
+                    </a:ext>
+                  </a:extLst>
+                </a:gridCol>
+                <a:gridCol w="1811894">
+                  <a:extLst>
+                    <a:ext uri="{9D8B030D-6E8A-4147-A177-3AD203B41FA5}">
+                      <a16:colId xmlns:a16="http://schemas.microsoft.com/office/drawing/2014/main" val="3064373860"/>
+                    </a:ext>
+                  </a:extLst>
+                </a:gridCol>
+                <a:gridCol w="1811894">
+                  <a:extLst>
+                    <a:ext uri="{9D8B030D-6E8A-4147-A177-3AD203B41FA5}">
+                      <a16:colId xmlns:a16="http://schemas.microsoft.com/office/drawing/2014/main" val="2446405785"/>
+                    </a:ext>
+                  </a:extLst>
+                </a:gridCol>
+                <a:gridCol w="1811894">
+                  <a:extLst>
+                    <a:ext uri="{9D8B030D-6E8A-4147-A177-3AD203B41FA5}">
+                      <a16:colId xmlns:a16="http://schemas.microsoft.com/office/drawing/2014/main" val="751434084"/>
+                    </a:ext>
+                  </a:extLst>
+                </a:gridCol>
+              </a:tblGrid>
+              <a:tr h="370840">
+                <a:tc>
+                  <a:txBody>
+                    <a:bodyPr/>
+                    <a:lstStyle/>
+                    <a:p>
+                      <a:endParaRPr lang="en-US" dirty="0"/>
+                    </a:p>
+                  </a:txBody>
+                  <a:tcPr/>
+                </a:tc>
+                <a:tc>
+                  <a:txBody>
+                    <a:bodyPr/>
+                    <a:lstStyle/>
+                    <a:p>
+                      <a:endParaRPr lang="en-US" dirty="0"/>
+                    </a:p>
+                  </a:txBody>
+                  <a:tcPr/>
+                </a:tc>
+                <a:tc gridSpan="3">
+                  <a:txBody>
+                    <a:bodyPr/>
+                    <a:lstStyle/>
+                    <a:p>
+                      <a:r>
+                        <a:rPr lang="en-US" dirty="0"/>
+                        <a:t>Market </a:t>
+                      </a:r>
+                    </a:p>
+                  </a:txBody>
+                  <a:tcPr/>
+                </a:tc>
+                <a:tc hMerge="1">
+                  <a:txBody>
+                    <a:bodyPr/>
+                    <a:lstStyle/>
+                    <a:p>
+                      <a:endParaRPr lang="en-US" dirty="0"/>
+                    </a:p>
+                  </a:txBody>
+                  <a:tcPr/>
+                </a:tc>
+                <a:tc hMerge="1">
+                  <a:txBody>
+                    <a:bodyPr/>
+                    <a:lstStyle/>
+                    <a:p>
+                      <a:endParaRPr lang="en-US" dirty="0"/>
+                    </a:p>
+                  </a:txBody>
+                  <a:tcPr/>
+                </a:tc>
+                <a:extLst>
+                  <a:ext uri="{0D108BD9-81ED-4DB2-BD59-A6C34878D82A}">
+                    <a16:rowId xmlns:a16="http://schemas.microsoft.com/office/drawing/2014/main" val="789752364"/>
+                  </a:ext>
+                </a:extLst>
+              </a:tr>
+              <a:tr h="370840">
+                <a:tc>
+                  <a:txBody>
+                    <a:bodyPr/>
+                    <a:lstStyle/>
+                    <a:p>
+                      <a:endParaRPr lang="en-US" dirty="0"/>
+                    </a:p>
+                  </a:txBody>
+                  <a:tcPr/>
+                </a:tc>
+                <a:tc>
+                  <a:txBody>
+                    <a:bodyPr/>
+                    <a:lstStyle/>
+                    <a:p>
+                      <a:pPr marL="0" marR="0" lvl="0" indent="0" algn="l" defTabSz="914400" rtl="0" eaLnBrk="1" fontAlgn="auto" latinLnBrk="0" hangingPunct="1">
+                        <a:lnSpc>
+                          <a:spcPct val="100000"/>
+                        </a:lnSpc>
+                        <a:spcBef>
+                          <a:spcPts val="0"/>
+                        </a:spcBef>
+                        <a:spcAft>
+                          <a:spcPts val="0"/>
+                        </a:spcAft>
+                        <a:buClrTx/>
+                        <a:buSzTx/>
+                        <a:buFontTx/>
+                        <a:buNone/>
+                        <a:tabLst/>
+                        <a:defRPr/>
+                      </a:pPr>
+                      <a:r>
+                        <a:rPr lang="en-US" dirty="0"/>
+                        <a:t> </a:t>
+                      </a:r>
+                    </a:p>
+                    <a:p>
+                      <a:endParaRPr lang="en-US" dirty="0"/>
+                    </a:p>
+                  </a:txBody>
+                  <a:tcPr/>
+                </a:tc>
+                <a:tc>
+                  <a:txBody>
+                    <a:bodyPr/>
+                    <a:lstStyle/>
+                    <a:p>
+                      <a:r>
+                        <a:rPr lang="en-US" dirty="0"/>
+                        <a:t>Stock</a:t>
+                      </a:r>
+                    </a:p>
+                  </a:txBody>
+                  <a:tcPr/>
+                </a:tc>
+                <a:tc>
+                  <a:txBody>
+                    <a:bodyPr/>
+                    <a:lstStyle/>
+                    <a:p>
+                      <a:r>
+                        <a:rPr lang="en-US" dirty="0"/>
+                        <a:t>Bond</a:t>
+                      </a:r>
+                    </a:p>
+                  </a:txBody>
+                  <a:tcPr/>
+                </a:tc>
+                <a:tc>
+                  <a:txBody>
+                    <a:bodyPr/>
+                    <a:lstStyle/>
+                    <a:p>
+                      <a:r>
+                        <a:rPr lang="en-US" dirty="0"/>
+                        <a:t>Dollar</a:t>
+                      </a:r>
+                    </a:p>
+                  </a:txBody>
+                  <a:tcPr/>
+                </a:tc>
+                <a:extLst>
+                  <a:ext uri="{0D108BD9-81ED-4DB2-BD59-A6C34878D82A}">
+                    <a16:rowId xmlns:a16="http://schemas.microsoft.com/office/drawing/2014/main" val="823657930"/>
+                  </a:ext>
+                </a:extLst>
+              </a:tr>
+              <a:tr h="370840">
+                <a:tc>
+                  <a:txBody>
+                    <a:bodyPr/>
+                    <a:lstStyle/>
+                    <a:p>
+                      <a:pPr marL="0" marR="0" lvl="0" indent="0" algn="l" defTabSz="914400" rtl="0" eaLnBrk="1" fontAlgn="auto" latinLnBrk="0" hangingPunct="1">
+                        <a:lnSpc>
+                          <a:spcPct val="100000"/>
+                        </a:lnSpc>
+                        <a:spcBef>
+                          <a:spcPts val="0"/>
+                        </a:spcBef>
+                        <a:spcAft>
+                          <a:spcPts val="0"/>
+                        </a:spcAft>
+                        <a:buClrTx/>
+                        <a:buSzTx/>
+                        <a:buFontTx/>
+                        <a:buNone/>
+                        <a:tabLst/>
+                        <a:defRPr/>
+                      </a:pPr>
+                      <a:r>
+                        <a:rPr lang="en-US" dirty="0"/>
+                        <a:t>Labor market </a:t>
+                      </a:r>
+                    </a:p>
+                  </a:txBody>
+                  <a:tcPr/>
+                </a:tc>
+                <a:tc>
+                  <a:txBody>
+                    <a:bodyPr/>
+                    <a:lstStyle/>
+                    <a:p>
+                      <a:r>
+                        <a:rPr lang="en-US" dirty="0"/>
+                        <a:t>Strengthening</a:t>
+                      </a:r>
+                    </a:p>
+                  </a:txBody>
+                  <a:tcPr/>
+                </a:tc>
+                <a:tc>
+                  <a:txBody>
+                    <a:bodyPr/>
+                    <a:lstStyle/>
+                    <a:p>
+                      <a:r>
+                        <a:rPr lang="en-US" dirty="0"/>
+                        <a:t>Up</a:t>
+                      </a:r>
+                    </a:p>
+                  </a:txBody>
+                  <a:tcPr/>
+                </a:tc>
+                <a:tc>
+                  <a:txBody>
+                    <a:bodyPr/>
+                    <a:lstStyle/>
+                    <a:p>
+                      <a:r>
+                        <a:rPr lang="en-US" dirty="0"/>
+                        <a:t>Down</a:t>
+                      </a:r>
+                    </a:p>
+                  </a:txBody>
+                  <a:tcPr/>
+                </a:tc>
+                <a:tc>
+                  <a:txBody>
+                    <a:bodyPr/>
+                    <a:lstStyle/>
+                    <a:p>
+                      <a:pPr marL="0" marR="0" lvl="0" indent="0" algn="l" defTabSz="914400" rtl="0" eaLnBrk="1" fontAlgn="auto" latinLnBrk="0" hangingPunct="1">
+                        <a:lnSpc>
+                          <a:spcPct val="100000"/>
+                        </a:lnSpc>
+                        <a:spcBef>
+                          <a:spcPts val="0"/>
+                        </a:spcBef>
+                        <a:spcAft>
+                          <a:spcPts val="0"/>
+                        </a:spcAft>
+                        <a:buClrTx/>
+                        <a:buSzTx/>
+                        <a:buFontTx/>
+                        <a:buNone/>
+                        <a:tabLst/>
+                        <a:defRPr/>
+                      </a:pPr>
+                      <a:r>
+                        <a:rPr lang="en-US" dirty="0"/>
+                        <a:t>Up</a:t>
+                      </a:r>
+                    </a:p>
+                    <a:p>
+                      <a:endParaRPr lang="en-US" dirty="0"/>
+                    </a:p>
+                  </a:txBody>
+                  <a:tcPr/>
+                </a:tc>
+                <a:extLst>
+                  <a:ext uri="{0D108BD9-81ED-4DB2-BD59-A6C34878D82A}">
+                    <a16:rowId xmlns:a16="http://schemas.microsoft.com/office/drawing/2014/main" val="2240237553"/>
+                  </a:ext>
+                </a:extLst>
+              </a:tr>
+              <a:tr h="370840">
+                <a:tc>
+                  <a:txBody>
+                    <a:bodyPr/>
+                    <a:lstStyle/>
+                    <a:p>
+                      <a:endParaRPr lang="en-US" dirty="0"/>
+                    </a:p>
+                  </a:txBody>
+                  <a:tcPr/>
+                </a:tc>
+                <a:tc>
+                  <a:txBody>
+                    <a:bodyPr/>
+                    <a:lstStyle/>
+                    <a:p>
+                      <a:r>
+                        <a:rPr lang="en-US" dirty="0"/>
+                        <a:t>Weakening</a:t>
+                      </a:r>
+                    </a:p>
+                  </a:txBody>
+                  <a:tcPr/>
+                </a:tc>
+                <a:tc>
+                  <a:txBody>
+                    <a:bodyPr/>
+                    <a:lstStyle/>
+                    <a:p>
+                      <a:pPr marL="0" marR="0" lvl="0" indent="0" algn="l" defTabSz="914400" rtl="0" eaLnBrk="1" fontAlgn="auto" latinLnBrk="0" hangingPunct="1">
+                        <a:lnSpc>
+                          <a:spcPct val="100000"/>
+                        </a:lnSpc>
+                        <a:spcBef>
+                          <a:spcPts val="0"/>
+                        </a:spcBef>
+                        <a:spcAft>
+                          <a:spcPts val="0"/>
+                        </a:spcAft>
+                        <a:buClrTx/>
+                        <a:buSzTx/>
+                        <a:buFontTx/>
+                        <a:buNone/>
+                        <a:tabLst/>
+                        <a:defRPr/>
+                      </a:pPr>
+                      <a:r>
+                        <a:rPr lang="en-US" dirty="0"/>
+                        <a:t>Down</a:t>
+                      </a:r>
+                    </a:p>
+                    <a:p>
+                      <a:endParaRPr lang="en-US" dirty="0"/>
+                    </a:p>
+                  </a:txBody>
+                  <a:tcPr/>
+                </a:tc>
+                <a:tc>
+                  <a:txBody>
+                    <a:bodyPr/>
+                    <a:lstStyle/>
+                    <a:p>
+                      <a:r>
+                        <a:rPr lang="en-US" dirty="0"/>
+                        <a:t>Up</a:t>
+                      </a:r>
+                    </a:p>
+                  </a:txBody>
+                  <a:tcPr/>
+                </a:tc>
+                <a:tc>
+                  <a:txBody>
+                    <a:bodyPr/>
+                    <a:lstStyle/>
+                    <a:p>
+                      <a:pPr marL="0" marR="0" lvl="0" indent="0" algn="l" defTabSz="914400" rtl="0" eaLnBrk="1" fontAlgn="auto" latinLnBrk="0" hangingPunct="1">
+                        <a:lnSpc>
+                          <a:spcPct val="100000"/>
+                        </a:lnSpc>
+                        <a:spcBef>
+                          <a:spcPts val="0"/>
+                        </a:spcBef>
+                        <a:spcAft>
+                          <a:spcPts val="0"/>
+                        </a:spcAft>
+                        <a:buClrTx/>
+                        <a:buSzTx/>
+                        <a:buFontTx/>
+                        <a:buNone/>
+                        <a:tabLst/>
+                        <a:defRPr/>
+                      </a:pPr>
+                      <a:r>
+                        <a:rPr lang="en-US" dirty="0"/>
+                        <a:t>Down</a:t>
+                      </a:r>
+                    </a:p>
+                    <a:p>
+                      <a:endParaRPr lang="en-US" dirty="0"/>
+                    </a:p>
+                  </a:txBody>
+                  <a:tcPr/>
+                </a:tc>
+                <a:extLst>
+                  <a:ext uri="{0D108BD9-81ED-4DB2-BD59-A6C34878D82A}">
+                    <a16:rowId xmlns:a16="http://schemas.microsoft.com/office/drawing/2014/main" val="3723964624"/>
+                  </a:ext>
+                </a:extLst>
+              </a:tr>
+            </a:tbl>
+          </a:graphicData>
+        </a:graphic>
+      </p:graphicFrame>
+    </p:spTree>
+    <p:extLst>
+      <p:ext uri="{BB962C8B-B14F-4D97-AF65-F5344CB8AC3E}">
+        <p14:creationId xmlns:p14="http://schemas.microsoft.com/office/powerpoint/2010/main" val="158584341"/>
+      </p:ext>
+    </p:extLst>
+  </p:cSld>
+  <p:clrMapOvr>
+    <a:masterClrMapping/>
+  </p:clrMapOvr>
+</p:sld>
+</file>
+
+<file path=ppt/slides/slide4.xml><?xml version="1.0" encoding="utf-8"?>
+<p:sld xmlns:a="http://schemas.openxmlformats.org/drawingml/2006/main" xmlns:r="http://schemas.openxmlformats.org/officeDocument/2006/relationships" xmlns:p="http://schemas.openxmlformats.org/presentationml/2006/main">
+  <p:cSld>
+    <p:spTree>
+      <p:nvGrpSpPr>
+        <p:cNvPr id="1" name=""/>
+        <p:cNvGrpSpPr/>
+        <p:nvPr/>
+      </p:nvGrpSpPr>
+      <p:grpSpPr>
+        <a:xfrm>
+          <a:off x="0" y="0"/>
+          <a:ext cx="0" cy="0"/>
+          <a:chOff x="0" y="0"/>
+          <a:chExt cx="0" cy="0"/>
+        </a:xfrm>
+      </p:grpSpPr>
+      <p:sp>
+        <p:nvSpPr>
+          <p:cNvPr id="2" name="Title 1">
+            <a:extLst>
+              <a:ext uri="{FF2B5EF4-FFF2-40B4-BE49-F238E27FC236}">
                 <a16:creationId xmlns:a16="http://schemas.microsoft.com/office/drawing/2014/main" id="{818847FF-7F3B-6368-8E38-17935B1B8971}"/>
               </a:ext>
             </a:extLst>
@@ -5009,7 +5560,7 @@
           <a:p>
             <a:fld id="{E18262D8-5A2C-DF45-99DE-6F5CAE0BA71A}" type="slidenum">
               <a:rPr lang="en-US" smtClean="0"/>
-              <a:t>3</a:t>
+              <a:t>4</a:t>
             </a:fld>
             <a:endParaRPr lang="en-US"/>
           </a:p>
@@ -5028,7 +5579,7 @@
 </p:sld>
 </file>
 
-<file path=ppt/slides/slide4.xml><?xml version="1.0" encoding="utf-8"?>
+<file path=ppt/slides/slide5.xml><?xml version="1.0" encoding="utf-8"?>
 <p:sld xmlns:a="http://schemas.openxmlformats.org/drawingml/2006/main" xmlns:r="http://schemas.openxmlformats.org/officeDocument/2006/relationships" xmlns:p="http://schemas.openxmlformats.org/presentationml/2006/main">
   <p:cSld>
     <p:spTree>
@@ -5094,14 +5645,14 @@
             <p:ph idx="1"/>
             <p:extLst>
               <p:ext uri="{D42A27DB-BD31-4B8C-83A1-F6EECF244321}">
-                <p14:modId xmlns:p14="http://schemas.microsoft.com/office/powerpoint/2010/main" val="4138340232"/>
+                <p14:modId xmlns:p14="http://schemas.microsoft.com/office/powerpoint/2010/main" val="2552873181"/>
               </p:ext>
             </p:extLst>
           </p:nvPr>
         </p:nvGraphicFramePr>
         <p:xfrm>
           <a:off x="838198" y="1129710"/>
-          <a:ext cx="10515603" cy="4409440"/>
+          <a:ext cx="10515603" cy="4866640"/>
         </p:xfrm>
         <a:graphic>
           <a:graphicData uri="http://schemas.openxmlformats.org/drawingml/2006/table">
@@ -6253,6 +6804,150 @@
                   </a:ext>
                 </a:extLst>
               </a:tr>
+              <a:tr h="370840">
+                <a:tc>
+                  <a:txBody>
+                    <a:bodyPr/>
+                    <a:lstStyle/>
+                    <a:p>
+                      <a:pPr marL="0" marR="0" lvl="0" indent="0" algn="l" defTabSz="914400" rtl="0" eaLnBrk="1" fontAlgn="auto" latinLnBrk="0" hangingPunct="1">
+                        <a:lnSpc>
+                          <a:spcPct val="100000"/>
+                        </a:lnSpc>
+                        <a:spcBef>
+                          <a:spcPts val="0"/>
+                        </a:spcBef>
+                        <a:spcAft>
+                          <a:spcPts val="0"/>
+                        </a:spcAft>
+                        <a:buClrTx/>
+                        <a:buSzTx/>
+                        <a:buFontTx/>
+                        <a:buNone/>
+                        <a:tabLst/>
+                        <a:defRPr/>
+                      </a:pPr>
+                      <a:r>
+                        <a:rPr lang="en-US" sz="1200" dirty="0"/>
+                        <a:t>Friday 04-05-2024</a:t>
+                      </a:r>
+                    </a:p>
+                    <a:p>
+                      <a:endParaRPr lang="en-US" sz="1200" dirty="0"/>
+                    </a:p>
+                  </a:txBody>
+                  <a:tcPr/>
+                </a:tc>
+                <a:tc>
+                  <a:txBody>
+                    <a:bodyPr/>
+                    <a:lstStyle/>
+                    <a:p>
+                      <a:r>
+                        <a:rPr lang="en-US" sz="1200" dirty="0"/>
+                        <a:t>Labor Force Participation rate</a:t>
+                      </a:r>
+                    </a:p>
+                  </a:txBody>
+                  <a:tcPr/>
+                </a:tc>
+                <a:tc>
+                  <a:txBody>
+                    <a:bodyPr/>
+                    <a:lstStyle/>
+                    <a:p>
+                      <a:r>
+                        <a:rPr lang="en-US" sz="1200" dirty="0"/>
+                        <a:t>62.6%</a:t>
+                      </a:r>
+                    </a:p>
+                  </a:txBody>
+                  <a:tcPr/>
+                </a:tc>
+                <a:tc>
+                  <a:txBody>
+                    <a:bodyPr/>
+                    <a:lstStyle/>
+                    <a:p>
+                      <a:r>
+                        <a:rPr lang="en-US" sz="1200" dirty="0"/>
+                        <a:t>62.7%</a:t>
+                      </a:r>
+                    </a:p>
+                  </a:txBody>
+                  <a:tcPr/>
+                </a:tc>
+                <a:tc>
+                  <a:txBody>
+                    <a:bodyPr/>
+                    <a:lstStyle/>
+                    <a:p>
+                      <a:r>
+                        <a:rPr lang="en-US" sz="1200" dirty="0"/>
+                        <a:t>62.5%</a:t>
+                      </a:r>
+                    </a:p>
+                  </a:txBody>
+                  <a:tcPr/>
+                </a:tc>
+                <a:tc>
+                  <a:txBody>
+                    <a:bodyPr/>
+                    <a:lstStyle/>
+                    <a:p>
+                      <a:r>
+                        <a:rPr lang="en-US" sz="1200" dirty="0"/>
+                        <a:t>-</a:t>
+                      </a:r>
+                    </a:p>
+                  </a:txBody>
+                  <a:tcPr/>
+                </a:tc>
+                <a:tc>
+                  <a:txBody>
+                    <a:bodyPr/>
+                    <a:lstStyle/>
+                    <a:p>
+                      <a:pPr marL="0" marR="0" lvl="0" indent="0" algn="l" defTabSz="914400" rtl="0" eaLnBrk="1" fontAlgn="auto" latinLnBrk="0" hangingPunct="1">
+                        <a:lnSpc>
+                          <a:spcPct val="100000"/>
+                        </a:lnSpc>
+                        <a:spcBef>
+                          <a:spcPts val="0"/>
+                        </a:spcBef>
+                        <a:spcAft>
+                          <a:spcPts val="0"/>
+                        </a:spcAft>
+                        <a:buClrTx/>
+                        <a:buSzTx/>
+                        <a:buFontTx/>
+                        <a:buNone/>
+                        <a:tabLst/>
+                        <a:defRPr/>
+                      </a:pPr>
+                      <a:r>
+                        <a:rPr lang="en-US" sz="1200" b="1" dirty="0">
+                          <a:solidFill>
+                            <a:schemeClr val="accent6">
+                              <a:lumMod val="75000"/>
+                            </a:schemeClr>
+                          </a:solidFill>
+                        </a:rPr>
+                        <a:t>Beat</a:t>
+                      </a:r>
+                    </a:p>
+                    <a:p>
+                      <a:endParaRPr lang="en-US" sz="1200" dirty="0"/>
+                    </a:p>
+                  </a:txBody>
+                  <a:tcPr/>
+                </a:tc>
+                <a:extLst>
+                  <a:ext uri="{0D108BD9-81ED-4DB2-BD59-A6C34878D82A}">
+                    <a16:rowId xmlns:a16="http://schemas.microsoft.com/office/drawing/2014/main" val="2380142881"/>
+                  </a:ext>
+                </a:extLst>
+              </a:tr>
             </a:tbl>
           </a:graphicData>
         </a:graphic>
@@ -6315,7 +7010,7 @@
           <a:p>
             <a:fld id="{E18262D8-5A2C-DF45-99DE-6F5CAE0BA71A}" type="slidenum">
               <a:rPr lang="en-US" smtClean="0"/>
-              <a:t>4</a:t>
+              <a:t>5</a:t>
             </a:fld>
             <a:endParaRPr lang="en-US"/>
           </a:p>
@@ -6325,145 +7020,6 @@
     <p:extLst>
       <p:ext uri="{BB962C8B-B14F-4D97-AF65-F5344CB8AC3E}">
         <p14:creationId xmlns:p14="http://schemas.microsoft.com/office/powerpoint/2010/main" val="854225819"/>
-      </p:ext>
-    </p:extLst>
-  </p:cSld>
-  <p:clrMapOvr>
-    <a:masterClrMapping/>
-  </p:clrMapOvr>
-</p:sld>
-</file>
-
-<file path=ppt/slides/slide5.xml><?xml version="1.0" encoding="utf-8"?>
-<p:sld xmlns:a="http://schemas.openxmlformats.org/drawingml/2006/main" xmlns:r="http://schemas.openxmlformats.org/officeDocument/2006/relationships" xmlns:p="http://schemas.openxmlformats.org/presentationml/2006/main">
-  <p:cSld>
-    <p:spTree>
-      <p:nvGrpSpPr>
-        <p:cNvPr id="1" name=""/>
-        <p:cNvGrpSpPr/>
-        <p:nvPr/>
-      </p:nvGrpSpPr>
-      <p:grpSpPr>
-        <a:xfrm>
-          <a:off x="0" y="0"/>
-          <a:ext cx="0" cy="0"/>
-          <a:chOff x="0" y="0"/>
-          <a:chExt cx="0" cy="0"/>
-        </a:xfrm>
-      </p:grpSpPr>
-      <p:sp>
-        <p:nvSpPr>
-          <p:cNvPr id="2" name="Title 1">
-            <a:extLst>
-              <a:ext uri="{FF2B5EF4-FFF2-40B4-BE49-F238E27FC236}">
-                <a16:creationId xmlns:a16="http://schemas.microsoft.com/office/drawing/2014/main" id="{177EDF68-E6FC-85EC-F241-86424CB25414}"/>
-              </a:ext>
-            </a:extLst>
-          </p:cNvPr>
-          <p:cNvSpPr>
-            <a:spLocks noGrp="1"/>
-          </p:cNvSpPr>
-          <p:nvPr>
-            <p:ph type="title"/>
-          </p:nvPr>
-        </p:nvSpPr>
-        <p:spPr/>
-        <p:txBody>
-          <a:bodyPr/>
-          <a:lstStyle/>
-          <a:p>
-            <a:endParaRPr lang="en-US"/>
-          </a:p>
-        </p:txBody>
-      </p:sp>
-      <p:sp>
-        <p:nvSpPr>
-          <p:cNvPr id="3" name="Content Placeholder 2">
-            <a:extLst>
-              <a:ext uri="{FF2B5EF4-FFF2-40B4-BE49-F238E27FC236}">
-                <a16:creationId xmlns:a16="http://schemas.microsoft.com/office/drawing/2014/main" id="{7475BB1F-0037-E3BC-9A42-7487BB2C7EE4}"/>
-              </a:ext>
-            </a:extLst>
-          </p:cNvPr>
-          <p:cNvSpPr>
-            <a:spLocks noGrp="1"/>
-          </p:cNvSpPr>
-          <p:nvPr>
-            <p:ph idx="1"/>
-          </p:nvPr>
-        </p:nvSpPr>
-        <p:spPr/>
-        <p:txBody>
-          <a:bodyPr/>
-          <a:lstStyle/>
-          <a:p>
-            <a:endParaRPr lang="en-US"/>
-          </a:p>
-        </p:txBody>
-      </p:sp>
-      <p:pic>
-        <p:nvPicPr>
-          <p:cNvPr id="4" name="Picture 3">
-            <a:extLst>
-              <a:ext uri="{FF2B5EF4-FFF2-40B4-BE49-F238E27FC236}">
-                <a16:creationId xmlns:a16="http://schemas.microsoft.com/office/drawing/2014/main" id="{FBA19006-2454-C48B-2926-F503A24ED9E2}"/>
-              </a:ext>
-            </a:extLst>
-          </p:cNvPr>
-          <p:cNvPicPr>
-            <a:picLocks noChangeAspect="1"/>
-          </p:cNvPicPr>
-          <p:nvPr/>
-        </p:nvPicPr>
-        <p:blipFill>
-          <a:blip r:embed="rId2"/>
-          <a:stretch>
-            <a:fillRect/>
-          </a:stretch>
-        </p:blipFill>
-        <p:spPr>
-          <a:xfrm>
-            <a:off x="2674114" y="0"/>
-            <a:ext cx="6843772" cy="6858000"/>
-          </a:xfrm>
-          <a:prstGeom prst="rect">
-            <a:avLst/>
-          </a:prstGeom>
-        </p:spPr>
-      </p:pic>
-      <p:sp>
-        <p:nvSpPr>
-          <p:cNvPr id="5" name="Slide Number Placeholder 4">
-            <a:extLst>
-              <a:ext uri="{FF2B5EF4-FFF2-40B4-BE49-F238E27FC236}">
-                <a16:creationId xmlns:a16="http://schemas.microsoft.com/office/drawing/2014/main" id="{5F13DEA7-6D38-DCAB-C104-2EA09CD94519}"/>
-              </a:ext>
-            </a:extLst>
-          </p:cNvPr>
-          <p:cNvSpPr>
-            <a:spLocks noGrp="1"/>
-          </p:cNvSpPr>
-          <p:nvPr>
-            <p:ph type="sldNum" sz="quarter" idx="12"/>
-          </p:nvPr>
-        </p:nvSpPr>
-        <p:spPr/>
-        <p:txBody>
-          <a:bodyPr/>
-          <a:lstStyle/>
-          <a:p>
-            <a:fld id="{E18262D8-5A2C-DF45-99DE-6F5CAE0BA71A}" type="slidenum">
-              <a:rPr lang="en-US" smtClean="0"/>
-              <a:t>5</a:t>
-            </a:fld>
-            <a:endParaRPr lang="en-US"/>
-          </a:p>
-        </p:txBody>
-      </p:sp>
-    </p:spTree>
-    <p:extLst>
-      <p:ext uri="{BB962C8B-B14F-4D97-AF65-F5344CB8AC3E}">
-        <p14:creationId xmlns:p14="http://schemas.microsoft.com/office/powerpoint/2010/main" val="523242704"/>
       </p:ext>
     </p:extLst>
   </p:cSld>
@@ -6495,6 +7051,145 @@
           <p:cNvPr id="2" name="Title 1">
             <a:extLst>
               <a:ext uri="{FF2B5EF4-FFF2-40B4-BE49-F238E27FC236}">
+                <a16:creationId xmlns:a16="http://schemas.microsoft.com/office/drawing/2014/main" id="{177EDF68-E6FC-85EC-F241-86424CB25414}"/>
+              </a:ext>
+            </a:extLst>
+          </p:cNvPr>
+          <p:cNvSpPr>
+            <a:spLocks noGrp="1"/>
+          </p:cNvSpPr>
+          <p:nvPr>
+            <p:ph type="title"/>
+          </p:nvPr>
+        </p:nvSpPr>
+        <p:spPr/>
+        <p:txBody>
+          <a:bodyPr/>
+          <a:lstStyle/>
+          <a:p>
+            <a:endParaRPr lang="en-US"/>
+          </a:p>
+        </p:txBody>
+      </p:sp>
+      <p:sp>
+        <p:nvSpPr>
+          <p:cNvPr id="3" name="Content Placeholder 2">
+            <a:extLst>
+              <a:ext uri="{FF2B5EF4-FFF2-40B4-BE49-F238E27FC236}">
+                <a16:creationId xmlns:a16="http://schemas.microsoft.com/office/drawing/2014/main" id="{7475BB1F-0037-E3BC-9A42-7487BB2C7EE4}"/>
+              </a:ext>
+            </a:extLst>
+          </p:cNvPr>
+          <p:cNvSpPr>
+            <a:spLocks noGrp="1"/>
+          </p:cNvSpPr>
+          <p:nvPr>
+            <p:ph idx="1"/>
+          </p:nvPr>
+        </p:nvSpPr>
+        <p:spPr/>
+        <p:txBody>
+          <a:bodyPr/>
+          <a:lstStyle/>
+          <a:p>
+            <a:endParaRPr lang="en-US"/>
+          </a:p>
+        </p:txBody>
+      </p:sp>
+      <p:pic>
+        <p:nvPicPr>
+          <p:cNvPr id="4" name="Picture 3">
+            <a:extLst>
+              <a:ext uri="{FF2B5EF4-FFF2-40B4-BE49-F238E27FC236}">
+                <a16:creationId xmlns:a16="http://schemas.microsoft.com/office/drawing/2014/main" id="{FBA19006-2454-C48B-2926-F503A24ED9E2}"/>
+              </a:ext>
+            </a:extLst>
+          </p:cNvPr>
+          <p:cNvPicPr>
+            <a:picLocks noChangeAspect="1"/>
+          </p:cNvPicPr>
+          <p:nvPr/>
+        </p:nvPicPr>
+        <p:blipFill>
+          <a:blip r:embed="rId2"/>
+          <a:stretch>
+            <a:fillRect/>
+          </a:stretch>
+        </p:blipFill>
+        <p:spPr>
+          <a:xfrm>
+            <a:off x="2674114" y="0"/>
+            <a:ext cx="6843772" cy="6858000"/>
+          </a:xfrm>
+          <a:prstGeom prst="rect">
+            <a:avLst/>
+          </a:prstGeom>
+        </p:spPr>
+      </p:pic>
+      <p:sp>
+        <p:nvSpPr>
+          <p:cNvPr id="5" name="Slide Number Placeholder 4">
+            <a:extLst>
+              <a:ext uri="{FF2B5EF4-FFF2-40B4-BE49-F238E27FC236}">
+                <a16:creationId xmlns:a16="http://schemas.microsoft.com/office/drawing/2014/main" id="{5F13DEA7-6D38-DCAB-C104-2EA09CD94519}"/>
+              </a:ext>
+            </a:extLst>
+          </p:cNvPr>
+          <p:cNvSpPr>
+            <a:spLocks noGrp="1"/>
+          </p:cNvSpPr>
+          <p:nvPr>
+            <p:ph type="sldNum" sz="quarter" idx="12"/>
+          </p:nvPr>
+        </p:nvSpPr>
+        <p:spPr/>
+        <p:txBody>
+          <a:bodyPr/>
+          <a:lstStyle/>
+          <a:p>
+            <a:fld id="{E18262D8-5A2C-DF45-99DE-6F5CAE0BA71A}" type="slidenum">
+              <a:rPr lang="en-US" smtClean="0"/>
+              <a:t>6</a:t>
+            </a:fld>
+            <a:endParaRPr lang="en-US"/>
+          </a:p>
+        </p:txBody>
+      </p:sp>
+    </p:spTree>
+    <p:extLst>
+      <p:ext uri="{BB962C8B-B14F-4D97-AF65-F5344CB8AC3E}">
+        <p14:creationId xmlns:p14="http://schemas.microsoft.com/office/powerpoint/2010/main" val="523242704"/>
+      </p:ext>
+    </p:extLst>
+  </p:cSld>
+  <p:clrMapOvr>
+    <a:masterClrMapping/>
+  </p:clrMapOvr>
+</p:sld>
+</file>
+
+<file path=ppt/slides/slide7.xml><?xml version="1.0" encoding="utf-8"?>
+<p:sld xmlns:a="http://schemas.openxmlformats.org/drawingml/2006/main" xmlns:r="http://schemas.openxmlformats.org/officeDocument/2006/relationships" xmlns:p="http://schemas.openxmlformats.org/presentationml/2006/main">
+  <p:cSld>
+    <p:spTree>
+      <p:nvGrpSpPr>
+        <p:cNvPr id="1" name=""/>
+        <p:cNvGrpSpPr/>
+        <p:nvPr/>
+      </p:nvGrpSpPr>
+      <p:grpSpPr>
+        <a:xfrm>
+          <a:off x="0" y="0"/>
+          <a:ext cx="0" cy="0"/>
+          <a:chOff x="0" y="0"/>
+          <a:chExt cx="0" cy="0"/>
+        </a:xfrm>
+      </p:grpSpPr>
+      <p:sp>
+        <p:nvSpPr>
+          <p:cNvPr id="2" name="Title 1">
+            <a:extLst>
+              <a:ext uri="{FF2B5EF4-FFF2-40B4-BE49-F238E27FC236}">
                 <a16:creationId xmlns:a16="http://schemas.microsoft.com/office/drawing/2014/main" id="{808A4439-13A9-FD20-C9EF-2D6C2B387316}"/>
               </a:ext>
             </a:extLst>
@@ -6573,7 +7268,7 @@
           <a:p>
             <a:fld id="{E18262D8-5A2C-DF45-99DE-6F5CAE0BA71A}" type="slidenum">
               <a:rPr lang="en-US" smtClean="0"/>
-              <a:t>6</a:t>
+              <a:t>7</a:t>
             </a:fld>
             <a:endParaRPr lang="en-US"/>
           </a:p>
@@ -6622,7 +7317,7 @@
 </p:sld>
 </file>
 
-<file path=ppt/slides/slide7.xml><?xml version="1.0" encoding="utf-8"?>
+<file path=ppt/slides/slide8.xml><?xml version="1.0" encoding="utf-8"?>
 <p:sld xmlns:a="http://schemas.openxmlformats.org/drawingml/2006/main" xmlns:r="http://schemas.openxmlformats.org/officeDocument/2006/relationships" xmlns:p="http://schemas.openxmlformats.org/presentationml/2006/main">
   <p:cSld>
     <p:spTree>
@@ -6722,7 +7417,7 @@
           <a:p>
             <a:fld id="{E18262D8-5A2C-DF45-99DE-6F5CAE0BA71A}" type="slidenum">
               <a:rPr lang="en-US" smtClean="0"/>
-              <a:t>7</a:t>
+              <a:t>8</a:t>
             </a:fld>
             <a:endParaRPr lang="en-US"/>
           </a:p>
@@ -6771,7 +7466,7 @@
 </p:sld>
 </file>
 
-<file path=ppt/slides/slide8.xml><?xml version="1.0" encoding="utf-8"?>
+<file path=ppt/slides/slide9.xml><?xml version="1.0" encoding="utf-8"?>
 <p:sld xmlns:a="http://schemas.openxmlformats.org/drawingml/2006/main" xmlns:r="http://schemas.openxmlformats.org/officeDocument/2006/relationships" xmlns:p="http://schemas.openxmlformats.org/presentationml/2006/main">
   <p:cSld>
     <p:spTree>
@@ -6899,7 +7594,7 @@
           <a:p>
             <a:fld id="{E18262D8-5A2C-DF45-99DE-6F5CAE0BA71A}" type="slidenum">
               <a:rPr lang="en-US" smtClean="0"/>
-              <a:t>8</a:t>
+              <a:t>9</a:t>
             </a:fld>
             <a:endParaRPr lang="en-US"/>
           </a:p>
